--- a/ppt/C Workshop.pptx
+++ b/ppt/C Workshop.pptx
@@ -23,7 +23,13 @@
     <p:sldId id="272" r:id="rId17"/>
     <p:sldId id="273" r:id="rId18"/>
     <p:sldId id="263" r:id="rId19"/>
-    <p:sldId id="267" r:id="rId20"/>
+    <p:sldId id="276" r:id="rId20"/>
+    <p:sldId id="267" r:id="rId21"/>
+    <p:sldId id="277" r:id="rId22"/>
+    <p:sldId id="278" r:id="rId23"/>
+    <p:sldId id="279" r:id="rId24"/>
+    <p:sldId id="280" r:id="rId25"/>
+    <p:sldId id="281" r:id="rId26"/>
   </p:sldIdLst>
   <p:sldSz cx="12192000" cy="6858000"/>
   <p:notesSz cx="6858000" cy="9144000"/>
@@ -4870,6 +4876,37 @@
             </a:r>
           </a:p>
           <a:p>
+            <a:r>
+              <a:rPr lang="en-US" dirty="0"/>
+              <a:t>Should contain methods to print </a:t>
+            </a:r>
+            <a:r>
+              <a:rPr lang="en-US" b="1" dirty="0"/>
+              <a:t>forward and backwards </a:t>
+            </a:r>
+            <a:r>
+              <a:rPr lang="en-US" dirty="0"/>
+              <a:t>through the linked list.</a:t>
+            </a:r>
+          </a:p>
+          <a:p>
+            <a:r>
+              <a:rPr lang="en-US" dirty="0"/>
+              <a:t>Should also contain methods to </a:t>
+            </a:r>
+            <a:r>
+              <a:rPr lang="en-US" b="1" dirty="0"/>
+              <a:t>add nodes and free the list from memory</a:t>
+            </a:r>
+            <a:r>
+              <a:rPr lang="en-US" dirty="0"/>
+              <a:t>.</a:t>
+            </a:r>
+          </a:p>
+          <a:p>
+            <a:endParaRPr lang="en-US" dirty="0"/>
+          </a:p>
+          <a:p>
             <a:endParaRPr lang="en-US" dirty="0"/>
           </a:p>
         </p:txBody>
@@ -4956,7 +4993,7 @@
           <p:cNvPr id="2" name="Title 1">
             <a:extLst>
               <a:ext uri="{FF2B5EF4-FFF2-40B4-BE49-F238E27FC236}">
-                <a16:creationId xmlns:a16="http://schemas.microsoft.com/office/drawing/2014/main" id="{DFA2DABE-5C0A-2427-F683-EAE874AF3CC3}"/>
+                <a16:creationId xmlns:a16="http://schemas.microsoft.com/office/drawing/2014/main" id="{F44996F9-5A85-AF08-7A20-6DF4F98DE7EB}"/>
               </a:ext>
             </a:extLst>
           </p:cNvPr>
@@ -4967,36 +5004,33 @@
             <p:ph type="title"/>
           </p:nvPr>
         </p:nvSpPr>
-        <p:spPr>
-          <a:xfrm>
-            <a:off x="2231136" y="2834640"/>
-            <a:ext cx="7729728" cy="1188720"/>
-          </a:xfrm>
-        </p:spPr>
+        <p:spPr/>
         <p:txBody>
           <a:bodyPr/>
           <a:lstStyle/>
           <a:p>
             <a:r>
               <a:rPr lang="en-US" dirty="0"/>
-              <a:t>LET’s build a doubly linked list!</a:t>
+              <a:t>WHAT IS A DOUBLY LINKED LIST?</a:t>
             </a:r>
           </a:p>
         </p:txBody>
       </p:sp>
       <p:pic>
         <p:nvPicPr>
-          <p:cNvPr id="3" name="Picture 2">
-            <a:extLst>
-              <a:ext uri="{FF2B5EF4-FFF2-40B4-BE49-F238E27FC236}">
-                <a16:creationId xmlns:a16="http://schemas.microsoft.com/office/drawing/2014/main" id="{13177337-7E4C-928F-BA16-8C702EDC7D26}"/>
+          <p:cNvPr id="1026" name="Picture 2" descr="Implementation of Doubly Linked List | Board Infinity">
+            <a:extLst>
+              <a:ext uri="{FF2B5EF4-FFF2-40B4-BE49-F238E27FC236}">
+                <a16:creationId xmlns:a16="http://schemas.microsoft.com/office/drawing/2014/main" id="{6EFDC99A-D4FE-D528-3CC1-88D76D88F805}"/>
               </a:ext>
             </a:extLst>
           </p:cNvPr>
           <p:cNvPicPr>
-            <a:picLocks noChangeAspect="1" noChangeArrowheads="1"/>
+            <a:picLocks noGrp="1" noChangeAspect="1" noChangeArrowheads="1"/>
           </p:cNvPicPr>
-          <p:nvPr/>
+          <p:nvPr>
+            <p:ph idx="1"/>
+          </p:nvPr>
         </p:nvPicPr>
         <p:blipFill>
           <a:blip r:embed="rId2">
@@ -5013,8 +5047,8 @@
         </p:blipFill>
         <p:spPr bwMode="auto">
           <a:xfrm>
-            <a:off x="10434594" y="5004486"/>
-            <a:ext cx="1757406" cy="1853514"/>
+            <a:off x="3338689" y="2638425"/>
+            <a:ext cx="5514622" cy="3101975"/>
           </a:xfrm>
           <a:prstGeom prst="rect">
             <a:avLst/>
@@ -5031,10 +5065,101 @@
           </a:extLst>
         </p:spPr>
       </p:pic>
+      <p:sp>
+        <p:nvSpPr>
+          <p:cNvPr id="4" name="TextBox 3">
+            <a:extLst>
+              <a:ext uri="{FF2B5EF4-FFF2-40B4-BE49-F238E27FC236}">
+                <a16:creationId xmlns:a16="http://schemas.microsoft.com/office/drawing/2014/main" id="{B9742425-F682-BAB1-4BF7-AF11AAFEFB34}"/>
+              </a:ext>
+            </a:extLst>
+          </p:cNvPr>
+          <p:cNvSpPr txBox="1"/>
+          <p:nvPr/>
+        </p:nvSpPr>
+        <p:spPr>
+          <a:xfrm>
+            <a:off x="3338689" y="5740400"/>
+            <a:ext cx="5514622" cy="646331"/>
+          </a:xfrm>
+          <a:prstGeom prst="rect">
+            <a:avLst/>
+          </a:prstGeom>
+          <a:noFill/>
+        </p:spPr>
+        <p:txBody>
+          <a:bodyPr wrap="square" rtlCol="0">
+            <a:spAutoFit/>
+          </a:bodyPr>
+          <a:lstStyle/>
+          <a:p>
+            <a:pPr algn="ctr"/>
+            <a:r>
+              <a:rPr lang="en-US" dirty="0"/>
+              <a:t>Source: https://data-</a:t>
+            </a:r>
+            <a:r>
+              <a:rPr lang="en-US" dirty="0" err="1"/>
+              <a:t>flair.training</a:t>
+            </a:r>
+            <a:r>
+              <a:rPr lang="en-US" dirty="0"/>
+              <a:t>/blogs/doubly-linked-list-in-data-structure/</a:t>
+            </a:r>
+          </a:p>
+        </p:txBody>
+      </p:sp>
+      <p:pic>
+        <p:nvPicPr>
+          <p:cNvPr id="5" name="Picture 2">
+            <a:extLst>
+              <a:ext uri="{FF2B5EF4-FFF2-40B4-BE49-F238E27FC236}">
+                <a16:creationId xmlns:a16="http://schemas.microsoft.com/office/drawing/2014/main" id="{2DD4ADFC-55EE-E7DB-BEE9-25BBC51AACDA}"/>
+              </a:ext>
+            </a:extLst>
+          </p:cNvPr>
+          <p:cNvPicPr>
+            <a:picLocks noChangeAspect="1" noChangeArrowheads="1"/>
+          </p:cNvPicPr>
+          <p:nvPr/>
+        </p:nvPicPr>
+        <p:blipFill>
+          <a:blip r:embed="rId3">
+            <a:extLst>
+              <a:ext uri="{28A0092B-C50C-407E-A947-70E740481C1C}">
+                <a14:useLocalDpi xmlns:a14="http://schemas.microsoft.com/office/drawing/2010/main" val="0"/>
+              </a:ext>
+            </a:extLst>
+          </a:blip>
+          <a:srcRect/>
+          <a:stretch>
+            <a:fillRect/>
+          </a:stretch>
+        </p:blipFill>
+        <p:spPr bwMode="auto">
+          <a:xfrm>
+            <a:off x="10434594" y="5004486"/>
+            <a:ext cx="1757406" cy="1853514"/>
+          </a:xfrm>
+          <a:prstGeom prst="rect">
+            <a:avLst/>
+          </a:prstGeom>
+          <a:noFill/>
+          <a:extLst>
+            <a:ext uri="{909E8E84-426E-40DD-AFC4-6F175D3DCCD1}">
+              <a14:hiddenFill xmlns:a14="http://schemas.microsoft.com/office/drawing/2010/main">
+                <a:solidFill>
+                  <a:srgbClr val="FFFFFF"/>
+                </a:solidFill>
+              </a14:hiddenFill>
+            </a:ext>
+          </a:extLst>
+        </p:spPr>
+      </p:pic>
     </p:spTree>
     <p:extLst>
       <p:ext uri="{BB962C8B-B14F-4D97-AF65-F5344CB8AC3E}">
-        <p14:creationId xmlns:p14="http://schemas.microsoft.com/office/powerpoint/2010/main" val="1721332889"/>
+        <p14:creationId xmlns:p14="http://schemas.microsoft.com/office/powerpoint/2010/main" val="3468007293"/>
       </p:ext>
     </p:extLst>
   </p:cSld>
@@ -5207,6 +5332,1080 @@
     <p:extLst>
       <p:ext uri="{BB962C8B-B14F-4D97-AF65-F5344CB8AC3E}">
         <p14:creationId xmlns:p14="http://schemas.microsoft.com/office/powerpoint/2010/main" val="795154676"/>
+      </p:ext>
+    </p:extLst>
+  </p:cSld>
+  <p:clrMapOvr>
+    <a:masterClrMapping/>
+  </p:clrMapOvr>
+</p:sld>
+</file>
+
+<file path=ppt/slides/slide20.xml><?xml version="1.0" encoding="utf-8"?>
+<p:sld xmlns:a="http://schemas.openxmlformats.org/drawingml/2006/main" xmlns:r="http://schemas.openxmlformats.org/officeDocument/2006/relationships" xmlns:p="http://schemas.openxmlformats.org/presentationml/2006/main">
+  <p:cSld>
+    <p:spTree>
+      <p:nvGrpSpPr>
+        <p:cNvPr id="1" name=""/>
+        <p:cNvGrpSpPr/>
+        <p:nvPr/>
+      </p:nvGrpSpPr>
+      <p:grpSpPr>
+        <a:xfrm>
+          <a:off x="0" y="0"/>
+          <a:ext cx="0" cy="0"/>
+          <a:chOff x="0" y="0"/>
+          <a:chExt cx="0" cy="0"/>
+        </a:xfrm>
+      </p:grpSpPr>
+      <p:sp>
+        <p:nvSpPr>
+          <p:cNvPr id="2" name="Title 1">
+            <a:extLst>
+              <a:ext uri="{FF2B5EF4-FFF2-40B4-BE49-F238E27FC236}">
+                <a16:creationId xmlns:a16="http://schemas.microsoft.com/office/drawing/2014/main" id="{DFA2DABE-5C0A-2427-F683-EAE874AF3CC3}"/>
+              </a:ext>
+            </a:extLst>
+          </p:cNvPr>
+          <p:cNvSpPr>
+            <a:spLocks noGrp="1"/>
+          </p:cNvSpPr>
+          <p:nvPr>
+            <p:ph type="title"/>
+          </p:nvPr>
+        </p:nvSpPr>
+        <p:spPr>
+          <a:xfrm>
+            <a:off x="2231136" y="2834640"/>
+            <a:ext cx="7729728" cy="1188720"/>
+          </a:xfrm>
+        </p:spPr>
+        <p:txBody>
+          <a:bodyPr/>
+          <a:lstStyle/>
+          <a:p>
+            <a:r>
+              <a:rPr lang="en-US" dirty="0"/>
+              <a:t>LET’s build a doubly linked list!</a:t>
+            </a:r>
+          </a:p>
+        </p:txBody>
+      </p:sp>
+      <p:pic>
+        <p:nvPicPr>
+          <p:cNvPr id="3" name="Picture 2">
+            <a:extLst>
+              <a:ext uri="{FF2B5EF4-FFF2-40B4-BE49-F238E27FC236}">
+                <a16:creationId xmlns:a16="http://schemas.microsoft.com/office/drawing/2014/main" id="{13177337-7E4C-928F-BA16-8C702EDC7D26}"/>
+              </a:ext>
+            </a:extLst>
+          </p:cNvPr>
+          <p:cNvPicPr>
+            <a:picLocks noChangeAspect="1" noChangeArrowheads="1"/>
+          </p:cNvPicPr>
+          <p:nvPr/>
+        </p:nvPicPr>
+        <p:blipFill>
+          <a:blip r:embed="rId2">
+            <a:extLst>
+              <a:ext uri="{28A0092B-C50C-407E-A947-70E740481C1C}">
+                <a14:useLocalDpi xmlns:a14="http://schemas.microsoft.com/office/drawing/2010/main" val="0"/>
+              </a:ext>
+            </a:extLst>
+          </a:blip>
+          <a:srcRect/>
+          <a:stretch>
+            <a:fillRect/>
+          </a:stretch>
+        </p:blipFill>
+        <p:spPr bwMode="auto">
+          <a:xfrm>
+            <a:off x="10434594" y="5004486"/>
+            <a:ext cx="1757406" cy="1853514"/>
+          </a:xfrm>
+          <a:prstGeom prst="rect">
+            <a:avLst/>
+          </a:prstGeom>
+          <a:noFill/>
+          <a:extLst>
+            <a:ext uri="{909E8E84-426E-40DD-AFC4-6F175D3DCCD1}">
+              <a14:hiddenFill xmlns:a14="http://schemas.microsoft.com/office/drawing/2010/main">
+                <a:solidFill>
+                  <a:srgbClr val="FFFFFF"/>
+                </a:solidFill>
+              </a14:hiddenFill>
+            </a:ext>
+          </a:extLst>
+        </p:spPr>
+      </p:pic>
+    </p:spTree>
+    <p:extLst>
+      <p:ext uri="{BB962C8B-B14F-4D97-AF65-F5344CB8AC3E}">
+        <p14:creationId xmlns:p14="http://schemas.microsoft.com/office/powerpoint/2010/main" val="1721332889"/>
+      </p:ext>
+    </p:extLst>
+  </p:cSld>
+  <p:clrMapOvr>
+    <a:masterClrMapping/>
+  </p:clrMapOvr>
+</p:sld>
+</file>
+
+<file path=ppt/slides/slide21.xml><?xml version="1.0" encoding="utf-8"?>
+<p:sld xmlns:a="http://schemas.openxmlformats.org/drawingml/2006/main" xmlns:r="http://schemas.openxmlformats.org/officeDocument/2006/relationships" xmlns:p="http://schemas.openxmlformats.org/presentationml/2006/main">
+  <p:cSld>
+    <p:spTree>
+      <p:nvGrpSpPr>
+        <p:cNvPr id="1" name=""/>
+        <p:cNvGrpSpPr/>
+        <p:nvPr/>
+      </p:nvGrpSpPr>
+      <p:grpSpPr>
+        <a:xfrm>
+          <a:off x="0" y="0"/>
+          <a:ext cx="0" cy="0"/>
+          <a:chOff x="0" y="0"/>
+          <a:chExt cx="0" cy="0"/>
+        </a:xfrm>
+      </p:grpSpPr>
+      <p:sp>
+        <p:nvSpPr>
+          <p:cNvPr id="2" name="Title 1">
+            <a:extLst>
+              <a:ext uri="{FF2B5EF4-FFF2-40B4-BE49-F238E27FC236}">
+                <a16:creationId xmlns:a16="http://schemas.microsoft.com/office/drawing/2014/main" id="{2C1E5A5D-B5CC-4379-5479-0708BA95829E}"/>
+              </a:ext>
+            </a:extLst>
+          </p:cNvPr>
+          <p:cNvSpPr>
+            <a:spLocks noGrp="1"/>
+          </p:cNvSpPr>
+          <p:nvPr>
+            <p:ph type="title"/>
+          </p:nvPr>
+        </p:nvSpPr>
+        <p:spPr/>
+        <p:txBody>
+          <a:bodyPr/>
+          <a:lstStyle/>
+          <a:p>
+            <a:r>
+              <a:rPr lang="en-US" dirty="0"/>
+              <a:t>STEP 1 – </a:t>
+            </a:r>
+            <a:r>
+              <a:rPr lang="en-US" dirty="0" err="1"/>
+              <a:t>node.h</a:t>
+            </a:r>
+            <a:endParaRPr lang="en-US" dirty="0"/>
+          </a:p>
+        </p:txBody>
+      </p:sp>
+      <p:pic>
+        <p:nvPicPr>
+          <p:cNvPr id="3" name="Picture 2">
+            <a:extLst>
+              <a:ext uri="{FF2B5EF4-FFF2-40B4-BE49-F238E27FC236}">
+                <a16:creationId xmlns:a16="http://schemas.microsoft.com/office/drawing/2014/main" id="{947740B8-2D8F-7124-8CF4-01A74EBB8378}"/>
+              </a:ext>
+            </a:extLst>
+          </p:cNvPr>
+          <p:cNvPicPr>
+            <a:picLocks noChangeAspect="1"/>
+          </p:cNvPicPr>
+          <p:nvPr/>
+        </p:nvPicPr>
+        <p:blipFill>
+          <a:blip r:embed="rId2"/>
+          <a:stretch>
+            <a:fillRect/>
+          </a:stretch>
+        </p:blipFill>
+        <p:spPr>
+          <a:xfrm>
+            <a:off x="1180281" y="2473642"/>
+            <a:ext cx="9831437" cy="3686789"/>
+          </a:xfrm>
+          <a:prstGeom prst="rect">
+            <a:avLst/>
+          </a:prstGeom>
+        </p:spPr>
+      </p:pic>
+      <p:pic>
+        <p:nvPicPr>
+          <p:cNvPr id="4" name="Picture 2">
+            <a:extLst>
+              <a:ext uri="{FF2B5EF4-FFF2-40B4-BE49-F238E27FC236}">
+                <a16:creationId xmlns:a16="http://schemas.microsoft.com/office/drawing/2014/main" id="{53663FF0-8E87-8CB3-DC73-FBA4E8B06D0C}"/>
+              </a:ext>
+            </a:extLst>
+          </p:cNvPr>
+          <p:cNvPicPr>
+            <a:picLocks noChangeAspect="1" noChangeArrowheads="1"/>
+          </p:cNvPicPr>
+          <p:nvPr/>
+        </p:nvPicPr>
+        <p:blipFill>
+          <a:blip r:embed="rId3">
+            <a:extLst>
+              <a:ext uri="{28A0092B-C50C-407E-A947-70E740481C1C}">
+                <a14:useLocalDpi xmlns:a14="http://schemas.microsoft.com/office/drawing/2010/main" val="0"/>
+              </a:ext>
+            </a:extLst>
+          </a:blip>
+          <a:srcRect/>
+          <a:stretch>
+            <a:fillRect/>
+          </a:stretch>
+        </p:blipFill>
+        <p:spPr bwMode="auto">
+          <a:xfrm>
+            <a:off x="10434594" y="5004486"/>
+            <a:ext cx="1757406" cy="1853514"/>
+          </a:xfrm>
+          <a:prstGeom prst="rect">
+            <a:avLst/>
+          </a:prstGeom>
+          <a:noFill/>
+          <a:extLst>
+            <a:ext uri="{909E8E84-426E-40DD-AFC4-6F175D3DCCD1}">
+              <a14:hiddenFill xmlns:a14="http://schemas.microsoft.com/office/drawing/2010/main">
+                <a:solidFill>
+                  <a:srgbClr val="FFFFFF"/>
+                </a:solidFill>
+              </a14:hiddenFill>
+            </a:ext>
+          </a:extLst>
+        </p:spPr>
+      </p:pic>
+    </p:spTree>
+    <p:extLst>
+      <p:ext uri="{BB962C8B-B14F-4D97-AF65-F5344CB8AC3E}">
+        <p14:creationId xmlns:p14="http://schemas.microsoft.com/office/powerpoint/2010/main" val="2311183025"/>
+      </p:ext>
+    </p:extLst>
+  </p:cSld>
+  <p:clrMapOvr>
+    <a:masterClrMapping/>
+  </p:clrMapOvr>
+</p:sld>
+</file>
+
+<file path=ppt/slides/slide22.xml><?xml version="1.0" encoding="utf-8"?>
+<p:sld xmlns:a="http://schemas.openxmlformats.org/drawingml/2006/main" xmlns:r="http://schemas.openxmlformats.org/officeDocument/2006/relationships" xmlns:p="http://schemas.openxmlformats.org/presentationml/2006/main">
+  <p:cSld>
+    <p:bg>
+      <p:bgPr>
+        <a:solidFill>
+          <a:schemeClr val="bg1"/>
+        </a:solidFill>
+        <a:effectLst/>
+      </p:bgPr>
+    </p:bg>
+    <p:spTree>
+      <p:nvGrpSpPr>
+        <p:cNvPr id="1" name=""/>
+        <p:cNvGrpSpPr/>
+        <p:nvPr/>
+      </p:nvGrpSpPr>
+      <p:grpSpPr>
+        <a:xfrm>
+          <a:off x="0" y="0"/>
+          <a:ext cx="0" cy="0"/>
+          <a:chOff x="0" y="0"/>
+          <a:chExt cx="0" cy="0"/>
+        </a:xfrm>
+      </p:grpSpPr>
+      <p:sp useBgFill="1">
+        <p:nvSpPr>
+          <p:cNvPr id="8" name="Rectangle 7">
+            <a:extLst>
+              <a:ext uri="{FF2B5EF4-FFF2-40B4-BE49-F238E27FC236}">
+                <a16:creationId xmlns:a16="http://schemas.microsoft.com/office/drawing/2014/main" id="{419501C6-F015-4273-AF88-E0F6C853899F}"/>
+              </a:ext>
+              <a:ext uri="{C183D7F6-B498-43B3-948B-1728B52AA6E4}">
+                <adec:decorative xmlns:adec="http://schemas.microsoft.com/office/drawing/2017/decorative" val="1"/>
+              </a:ext>
+            </a:extLst>
+          </p:cNvPr>
+          <p:cNvSpPr>
+            <a:spLocks noGrp="1" noRot="1" noChangeAspect="1" noMove="1" noResize="1" noEditPoints="1" noAdjustHandles="1" noChangeArrowheads="1" noChangeShapeType="1" noTextEdit="1"/>
+          </p:cNvSpPr>
+          <p:nvPr>
+            <p:extLst>
+              <p:ext uri="{386F3935-93C4-4BCD-93E2-E3B085C9AB24}">
+                <p16:designElem xmlns:p16="http://schemas.microsoft.com/office/powerpoint/2015/main" val="1"/>
+              </p:ext>
+            </p:extLst>
+          </p:nvPr>
+        </p:nvSpPr>
+        <p:spPr>
+          <a:xfrm>
+            <a:off x="0" y="0"/>
+            <a:ext cx="12191999" cy="6858000"/>
+          </a:xfrm>
+          <a:prstGeom prst="rect">
+            <a:avLst/>
+          </a:prstGeom>
+          <a:ln>
+            <a:noFill/>
+          </a:ln>
+        </p:spPr>
+        <p:style>
+          <a:lnRef idx="2">
+            <a:schemeClr val="accent1">
+              <a:shade val="50000"/>
+            </a:schemeClr>
+          </a:lnRef>
+          <a:fillRef idx="1">
+            <a:schemeClr val="accent1"/>
+          </a:fillRef>
+          <a:effectRef idx="0">
+            <a:schemeClr val="accent1"/>
+          </a:effectRef>
+          <a:fontRef idx="minor">
+            <a:schemeClr val="lt1"/>
+          </a:fontRef>
+        </p:style>
+        <p:txBody>
+          <a:bodyPr rtlCol="0" anchor="ctr"/>
+          <a:lstStyle/>
+          <a:p>
+            <a:pPr algn="ctr"/>
+            <a:endParaRPr lang="en-US"/>
+          </a:p>
+        </p:txBody>
+      </p:sp>
+      <p:sp>
+        <p:nvSpPr>
+          <p:cNvPr id="10" name="Rectangle 9">
+            <a:extLst>
+              <a:ext uri="{FF2B5EF4-FFF2-40B4-BE49-F238E27FC236}">
+                <a16:creationId xmlns:a16="http://schemas.microsoft.com/office/drawing/2014/main" id="{CA677DB7-5829-45BD-9754-5EC484CC4253}"/>
+              </a:ext>
+              <a:ext uri="{C183D7F6-B498-43B3-948B-1728B52AA6E4}">
+                <adec:decorative xmlns:adec="http://schemas.microsoft.com/office/drawing/2017/decorative" val="1"/>
+              </a:ext>
+            </a:extLst>
+          </p:cNvPr>
+          <p:cNvSpPr>
+            <a:spLocks noGrp="1" noRot="1" noChangeAspect="1" noMove="1" noResize="1" noEditPoints="1" noAdjustHandles="1" noChangeArrowheads="1" noChangeShapeType="1" noTextEdit="1"/>
+          </p:cNvSpPr>
+          <p:nvPr>
+            <p:extLst>
+              <p:ext uri="{386F3935-93C4-4BCD-93E2-E3B085C9AB24}">
+                <p16:designElem xmlns:p16="http://schemas.microsoft.com/office/powerpoint/2015/main" val="1"/>
+              </p:ext>
+            </p:extLst>
+          </p:nvPr>
+        </p:nvSpPr>
+        <p:spPr>
+          <a:xfrm>
+            <a:off x="1" y="1"/>
+            <a:ext cx="4654296" cy="6858000"/>
+          </a:xfrm>
+          <a:prstGeom prst="rect">
+            <a:avLst/>
+          </a:prstGeom>
+          <a:solidFill>
+            <a:schemeClr val="accent2"/>
+          </a:solidFill>
+          <a:ln>
+            <a:noFill/>
+          </a:ln>
+        </p:spPr>
+        <p:style>
+          <a:lnRef idx="2">
+            <a:schemeClr val="accent1">
+              <a:shade val="50000"/>
+            </a:schemeClr>
+          </a:lnRef>
+          <a:fillRef idx="1">
+            <a:schemeClr val="accent1"/>
+          </a:fillRef>
+          <a:effectRef idx="0">
+            <a:schemeClr val="accent1"/>
+          </a:effectRef>
+          <a:fontRef idx="minor">
+            <a:schemeClr val="lt1"/>
+          </a:fontRef>
+        </p:style>
+        <p:txBody>
+          <a:bodyPr rtlCol="0" anchor="ctr"/>
+          <a:lstStyle/>
+          <a:p>
+            <a:pPr algn="ctr"/>
+            <a:endParaRPr lang="en-US"/>
+          </a:p>
+        </p:txBody>
+      </p:sp>
+      <p:sp>
+        <p:nvSpPr>
+          <p:cNvPr id="2" name="Title 1">
+            <a:extLst>
+              <a:ext uri="{FF2B5EF4-FFF2-40B4-BE49-F238E27FC236}">
+                <a16:creationId xmlns:a16="http://schemas.microsoft.com/office/drawing/2014/main" id="{8EBB0E7D-D418-AE62-8D00-F515429FAB83}"/>
+              </a:ext>
+            </a:extLst>
+          </p:cNvPr>
+          <p:cNvSpPr>
+            <a:spLocks noGrp="1"/>
+          </p:cNvSpPr>
+          <p:nvPr>
+            <p:ph type="title"/>
+          </p:nvPr>
+        </p:nvSpPr>
+        <p:spPr>
+          <a:xfrm>
+            <a:off x="804672" y="2404872"/>
+            <a:ext cx="3044950" cy="1627792"/>
+          </a:xfrm>
+        </p:spPr>
+        <p:txBody>
+          <a:bodyPr vert="horz" lIns="274320" tIns="182880" rIns="274320" bIns="182880" rtlCol="0" anchor="ctr" anchorCtr="1">
+            <a:normAutofit/>
+          </a:bodyPr>
+          <a:lstStyle/>
+          <a:p>
+            <a:r>
+              <a:rPr lang="en-US" dirty="0"/>
+              <a:t>STEP 2 – </a:t>
+            </a:r>
+            <a:r>
+              <a:rPr lang="en-US"/>
+              <a:t>node.c</a:t>
+            </a:r>
+            <a:r>
+              <a:rPr lang="en-US" dirty="0"/>
+              <a:t> (PART 1)</a:t>
+            </a:r>
+          </a:p>
+        </p:txBody>
+      </p:sp>
+      <p:pic>
+        <p:nvPicPr>
+          <p:cNvPr id="3" name="Picture 2">
+            <a:extLst>
+              <a:ext uri="{FF2B5EF4-FFF2-40B4-BE49-F238E27FC236}">
+                <a16:creationId xmlns:a16="http://schemas.microsoft.com/office/drawing/2014/main" id="{00346F05-C23F-3A31-5AE3-9C44773DE297}"/>
+              </a:ext>
+            </a:extLst>
+          </p:cNvPr>
+          <p:cNvPicPr>
+            <a:picLocks noChangeAspect="1"/>
+          </p:cNvPicPr>
+          <p:nvPr/>
+        </p:nvPicPr>
+        <p:blipFill>
+          <a:blip r:embed="rId2"/>
+          <a:stretch>
+            <a:fillRect/>
+          </a:stretch>
+        </p:blipFill>
+        <p:spPr>
+          <a:xfrm>
+            <a:off x="5270090" y="495195"/>
+            <a:ext cx="6430257" cy="5867609"/>
+          </a:xfrm>
+          <a:prstGeom prst="rect">
+            <a:avLst/>
+          </a:prstGeom>
+        </p:spPr>
+      </p:pic>
+      <p:pic>
+        <p:nvPicPr>
+          <p:cNvPr id="4" name="Picture 2">
+            <a:extLst>
+              <a:ext uri="{FF2B5EF4-FFF2-40B4-BE49-F238E27FC236}">
+                <a16:creationId xmlns:a16="http://schemas.microsoft.com/office/drawing/2014/main" id="{934150C2-B665-CA6F-A10F-85BAE1DE2230}"/>
+              </a:ext>
+            </a:extLst>
+          </p:cNvPr>
+          <p:cNvPicPr>
+            <a:picLocks noChangeAspect="1" noChangeArrowheads="1"/>
+          </p:cNvPicPr>
+          <p:nvPr/>
+        </p:nvPicPr>
+        <p:blipFill>
+          <a:blip r:embed="rId3">
+            <a:extLst>
+              <a:ext uri="{28A0092B-C50C-407E-A947-70E740481C1C}">
+                <a14:useLocalDpi xmlns:a14="http://schemas.microsoft.com/office/drawing/2010/main" val="0"/>
+              </a:ext>
+            </a:extLst>
+          </a:blip>
+          <a:srcRect/>
+          <a:stretch>
+            <a:fillRect/>
+          </a:stretch>
+        </p:blipFill>
+        <p:spPr bwMode="auto">
+          <a:xfrm>
+            <a:off x="10434594" y="5004486"/>
+            <a:ext cx="1757406" cy="1853514"/>
+          </a:xfrm>
+          <a:prstGeom prst="rect">
+            <a:avLst/>
+          </a:prstGeom>
+          <a:noFill/>
+          <a:extLst>
+            <a:ext uri="{909E8E84-426E-40DD-AFC4-6F175D3DCCD1}">
+              <a14:hiddenFill xmlns:a14="http://schemas.microsoft.com/office/drawing/2010/main">
+                <a:solidFill>
+                  <a:srgbClr val="FFFFFF"/>
+                </a:solidFill>
+              </a14:hiddenFill>
+            </a:ext>
+          </a:extLst>
+        </p:spPr>
+      </p:pic>
+    </p:spTree>
+    <p:extLst>
+      <p:ext uri="{BB962C8B-B14F-4D97-AF65-F5344CB8AC3E}">
+        <p14:creationId xmlns:p14="http://schemas.microsoft.com/office/powerpoint/2010/main" val="2858046681"/>
+      </p:ext>
+    </p:extLst>
+  </p:cSld>
+  <p:clrMapOvr>
+    <a:masterClrMapping/>
+  </p:clrMapOvr>
+</p:sld>
+</file>
+
+<file path=ppt/slides/slide23.xml><?xml version="1.0" encoding="utf-8"?>
+<p:sld xmlns:a="http://schemas.openxmlformats.org/drawingml/2006/main" xmlns:r="http://schemas.openxmlformats.org/officeDocument/2006/relationships" xmlns:p="http://schemas.openxmlformats.org/presentationml/2006/main">
+  <p:cSld>
+    <p:spTree>
+      <p:nvGrpSpPr>
+        <p:cNvPr id="1" name=""/>
+        <p:cNvGrpSpPr/>
+        <p:nvPr/>
+      </p:nvGrpSpPr>
+      <p:grpSpPr>
+        <a:xfrm>
+          <a:off x="0" y="0"/>
+          <a:ext cx="0" cy="0"/>
+          <a:chOff x="0" y="0"/>
+          <a:chExt cx="0" cy="0"/>
+        </a:xfrm>
+      </p:grpSpPr>
+      <p:sp>
+        <p:nvSpPr>
+          <p:cNvPr id="2" name="Title 1">
+            <a:extLst>
+              <a:ext uri="{FF2B5EF4-FFF2-40B4-BE49-F238E27FC236}">
+                <a16:creationId xmlns:a16="http://schemas.microsoft.com/office/drawing/2014/main" id="{66C4C077-A6CE-9D61-7EA1-873467D5825C}"/>
+              </a:ext>
+            </a:extLst>
+          </p:cNvPr>
+          <p:cNvSpPr>
+            <a:spLocks noGrp="1"/>
+          </p:cNvSpPr>
+          <p:nvPr>
+            <p:ph type="title"/>
+          </p:nvPr>
+        </p:nvSpPr>
+        <p:spPr/>
+        <p:txBody>
+          <a:bodyPr/>
+          <a:lstStyle/>
+          <a:p>
+            <a:r>
+              <a:rPr lang="en-US" dirty="0"/>
+              <a:t>STEP 2 – NODE.C (PART 2)</a:t>
+            </a:r>
+          </a:p>
+        </p:txBody>
+      </p:sp>
+      <p:pic>
+        <p:nvPicPr>
+          <p:cNvPr id="3" name="Picture 2">
+            <a:extLst>
+              <a:ext uri="{FF2B5EF4-FFF2-40B4-BE49-F238E27FC236}">
+                <a16:creationId xmlns:a16="http://schemas.microsoft.com/office/drawing/2014/main" id="{BF4F147E-762B-F6C5-618C-35DBD9CA02DE}"/>
+              </a:ext>
+            </a:extLst>
+          </p:cNvPr>
+          <p:cNvPicPr>
+            <a:picLocks noChangeAspect="1"/>
+          </p:cNvPicPr>
+          <p:nvPr/>
+        </p:nvPicPr>
+        <p:blipFill>
+          <a:blip r:embed="rId2"/>
+          <a:stretch>
+            <a:fillRect/>
+          </a:stretch>
+        </p:blipFill>
+        <p:spPr>
+          <a:xfrm>
+            <a:off x="2209800" y="2297264"/>
+            <a:ext cx="7772400" cy="4560736"/>
+          </a:xfrm>
+          <a:prstGeom prst="rect">
+            <a:avLst/>
+          </a:prstGeom>
+        </p:spPr>
+      </p:pic>
+      <p:pic>
+        <p:nvPicPr>
+          <p:cNvPr id="4" name="Picture 2">
+            <a:extLst>
+              <a:ext uri="{FF2B5EF4-FFF2-40B4-BE49-F238E27FC236}">
+                <a16:creationId xmlns:a16="http://schemas.microsoft.com/office/drawing/2014/main" id="{80F81BAD-9806-3FBE-212C-8BE00DD1F43B}"/>
+              </a:ext>
+            </a:extLst>
+          </p:cNvPr>
+          <p:cNvPicPr>
+            <a:picLocks noChangeAspect="1" noChangeArrowheads="1"/>
+          </p:cNvPicPr>
+          <p:nvPr/>
+        </p:nvPicPr>
+        <p:blipFill>
+          <a:blip r:embed="rId3">
+            <a:extLst>
+              <a:ext uri="{28A0092B-C50C-407E-A947-70E740481C1C}">
+                <a14:useLocalDpi xmlns:a14="http://schemas.microsoft.com/office/drawing/2010/main" val="0"/>
+              </a:ext>
+            </a:extLst>
+          </a:blip>
+          <a:srcRect/>
+          <a:stretch>
+            <a:fillRect/>
+          </a:stretch>
+        </p:blipFill>
+        <p:spPr bwMode="auto">
+          <a:xfrm>
+            <a:off x="10434594" y="5004486"/>
+            <a:ext cx="1757406" cy="1853514"/>
+          </a:xfrm>
+          <a:prstGeom prst="rect">
+            <a:avLst/>
+          </a:prstGeom>
+          <a:noFill/>
+          <a:extLst>
+            <a:ext uri="{909E8E84-426E-40DD-AFC4-6F175D3DCCD1}">
+              <a14:hiddenFill xmlns:a14="http://schemas.microsoft.com/office/drawing/2010/main">
+                <a:solidFill>
+                  <a:srgbClr val="FFFFFF"/>
+                </a:solidFill>
+              </a14:hiddenFill>
+            </a:ext>
+          </a:extLst>
+        </p:spPr>
+      </p:pic>
+    </p:spTree>
+    <p:extLst>
+      <p:ext uri="{BB962C8B-B14F-4D97-AF65-F5344CB8AC3E}">
+        <p14:creationId xmlns:p14="http://schemas.microsoft.com/office/powerpoint/2010/main" val="1218753510"/>
+      </p:ext>
+    </p:extLst>
+  </p:cSld>
+  <p:clrMapOvr>
+    <a:masterClrMapping/>
+  </p:clrMapOvr>
+</p:sld>
+</file>
+
+<file path=ppt/slides/slide24.xml><?xml version="1.0" encoding="utf-8"?>
+<p:sld xmlns:a="http://schemas.openxmlformats.org/drawingml/2006/main" xmlns:r="http://schemas.openxmlformats.org/officeDocument/2006/relationships" xmlns:p="http://schemas.openxmlformats.org/presentationml/2006/main">
+  <p:cSld>
+    <p:spTree>
+      <p:nvGrpSpPr>
+        <p:cNvPr id="1" name=""/>
+        <p:cNvGrpSpPr/>
+        <p:nvPr/>
+      </p:nvGrpSpPr>
+      <p:grpSpPr>
+        <a:xfrm>
+          <a:off x="0" y="0"/>
+          <a:ext cx="0" cy="0"/>
+          <a:chOff x="0" y="0"/>
+          <a:chExt cx="0" cy="0"/>
+        </a:xfrm>
+      </p:grpSpPr>
+      <p:sp>
+        <p:nvSpPr>
+          <p:cNvPr id="2" name="Title 1">
+            <a:extLst>
+              <a:ext uri="{FF2B5EF4-FFF2-40B4-BE49-F238E27FC236}">
+                <a16:creationId xmlns:a16="http://schemas.microsoft.com/office/drawing/2014/main" id="{28122877-2E51-34A3-5548-08C80ACE649B}"/>
+              </a:ext>
+            </a:extLst>
+          </p:cNvPr>
+          <p:cNvSpPr>
+            <a:spLocks noGrp="1"/>
+          </p:cNvSpPr>
+          <p:nvPr>
+            <p:ph type="title"/>
+          </p:nvPr>
+        </p:nvSpPr>
+        <p:spPr/>
+        <p:txBody>
+          <a:bodyPr/>
+          <a:lstStyle/>
+          <a:p>
+            <a:r>
+              <a:rPr lang="en-US" dirty="0"/>
+              <a:t>STEP 3 – MAIN.C</a:t>
+            </a:r>
+          </a:p>
+        </p:txBody>
+      </p:sp>
+      <p:pic>
+        <p:nvPicPr>
+          <p:cNvPr id="3" name="Picture 2">
+            <a:extLst>
+              <a:ext uri="{FF2B5EF4-FFF2-40B4-BE49-F238E27FC236}">
+                <a16:creationId xmlns:a16="http://schemas.microsoft.com/office/drawing/2014/main" id="{8E1AF9C3-2D03-A163-8A46-308D60143CA0}"/>
+              </a:ext>
+            </a:extLst>
+          </p:cNvPr>
+          <p:cNvPicPr>
+            <a:picLocks noChangeAspect="1"/>
+          </p:cNvPicPr>
+          <p:nvPr/>
+        </p:nvPicPr>
+        <p:blipFill>
+          <a:blip r:embed="rId2"/>
+          <a:stretch>
+            <a:fillRect/>
+          </a:stretch>
+        </p:blipFill>
+        <p:spPr>
+          <a:xfrm>
+            <a:off x="2231136" y="2192820"/>
+            <a:ext cx="7772400" cy="4665180"/>
+          </a:xfrm>
+          <a:prstGeom prst="rect">
+            <a:avLst/>
+          </a:prstGeom>
+        </p:spPr>
+      </p:pic>
+      <p:pic>
+        <p:nvPicPr>
+          <p:cNvPr id="4" name="Picture 2">
+            <a:extLst>
+              <a:ext uri="{FF2B5EF4-FFF2-40B4-BE49-F238E27FC236}">
+                <a16:creationId xmlns:a16="http://schemas.microsoft.com/office/drawing/2014/main" id="{446643B4-6E03-0BAF-E2DC-C3B119948ADA}"/>
+              </a:ext>
+            </a:extLst>
+          </p:cNvPr>
+          <p:cNvPicPr>
+            <a:picLocks noChangeAspect="1" noChangeArrowheads="1"/>
+          </p:cNvPicPr>
+          <p:nvPr/>
+        </p:nvPicPr>
+        <p:blipFill>
+          <a:blip r:embed="rId3">
+            <a:extLst>
+              <a:ext uri="{28A0092B-C50C-407E-A947-70E740481C1C}">
+                <a14:useLocalDpi xmlns:a14="http://schemas.microsoft.com/office/drawing/2010/main" val="0"/>
+              </a:ext>
+            </a:extLst>
+          </a:blip>
+          <a:srcRect/>
+          <a:stretch>
+            <a:fillRect/>
+          </a:stretch>
+        </p:blipFill>
+        <p:spPr bwMode="auto">
+          <a:xfrm>
+            <a:off x="10434594" y="5004486"/>
+            <a:ext cx="1757406" cy="1853514"/>
+          </a:xfrm>
+          <a:prstGeom prst="rect">
+            <a:avLst/>
+          </a:prstGeom>
+          <a:noFill/>
+          <a:extLst>
+            <a:ext uri="{909E8E84-426E-40DD-AFC4-6F175D3DCCD1}">
+              <a14:hiddenFill xmlns:a14="http://schemas.microsoft.com/office/drawing/2010/main">
+                <a:solidFill>
+                  <a:srgbClr val="FFFFFF"/>
+                </a:solidFill>
+              </a14:hiddenFill>
+            </a:ext>
+          </a:extLst>
+        </p:spPr>
+      </p:pic>
+    </p:spTree>
+    <p:extLst>
+      <p:ext uri="{BB962C8B-B14F-4D97-AF65-F5344CB8AC3E}">
+        <p14:creationId xmlns:p14="http://schemas.microsoft.com/office/powerpoint/2010/main" val="2459260186"/>
+      </p:ext>
+    </p:extLst>
+  </p:cSld>
+  <p:clrMapOvr>
+    <a:masterClrMapping/>
+  </p:clrMapOvr>
+</p:sld>
+</file>
+
+<file path=ppt/slides/slide25.xml><?xml version="1.0" encoding="utf-8"?>
+<p:sld xmlns:a="http://schemas.openxmlformats.org/drawingml/2006/main" xmlns:r="http://schemas.openxmlformats.org/officeDocument/2006/relationships" xmlns:p="http://schemas.openxmlformats.org/presentationml/2006/main">
+  <p:cSld>
+    <p:bg>
+      <p:bgPr>
+        <a:solidFill>
+          <a:schemeClr val="bg1"/>
+        </a:solidFill>
+        <a:effectLst/>
+      </p:bgPr>
+    </p:bg>
+    <p:spTree>
+      <p:nvGrpSpPr>
+        <p:cNvPr id="1" name=""/>
+        <p:cNvGrpSpPr/>
+        <p:nvPr/>
+      </p:nvGrpSpPr>
+      <p:grpSpPr>
+        <a:xfrm>
+          <a:off x="0" y="0"/>
+          <a:ext cx="0" cy="0"/>
+          <a:chOff x="0" y="0"/>
+          <a:chExt cx="0" cy="0"/>
+        </a:xfrm>
+      </p:grpSpPr>
+      <p:sp useBgFill="1">
+        <p:nvSpPr>
+          <p:cNvPr id="17" name="Rectangle 16">
+            <a:extLst>
+              <a:ext uri="{FF2B5EF4-FFF2-40B4-BE49-F238E27FC236}">
+                <a16:creationId xmlns:a16="http://schemas.microsoft.com/office/drawing/2014/main" id="{419501C6-F015-4273-AF88-E0F6C853899F}"/>
+              </a:ext>
+              <a:ext uri="{C183D7F6-B498-43B3-948B-1728B52AA6E4}">
+                <adec:decorative xmlns:adec="http://schemas.microsoft.com/office/drawing/2017/decorative" val="1"/>
+              </a:ext>
+            </a:extLst>
+          </p:cNvPr>
+          <p:cNvSpPr>
+            <a:spLocks noGrp="1" noRot="1" noChangeAspect="1" noMove="1" noResize="1" noEditPoints="1" noAdjustHandles="1" noChangeArrowheads="1" noChangeShapeType="1" noTextEdit="1"/>
+          </p:cNvSpPr>
+          <p:nvPr>
+            <p:extLst>
+              <p:ext uri="{386F3935-93C4-4BCD-93E2-E3B085C9AB24}">
+                <p16:designElem xmlns:p16="http://schemas.microsoft.com/office/powerpoint/2015/main" val="1"/>
+              </p:ext>
+            </p:extLst>
+          </p:nvPr>
+        </p:nvSpPr>
+        <p:spPr>
+          <a:xfrm>
+            <a:off x="0" y="0"/>
+            <a:ext cx="12191999" cy="6858000"/>
+          </a:xfrm>
+          <a:prstGeom prst="rect">
+            <a:avLst/>
+          </a:prstGeom>
+          <a:ln>
+            <a:noFill/>
+          </a:ln>
+        </p:spPr>
+        <p:style>
+          <a:lnRef idx="2">
+            <a:schemeClr val="accent1">
+              <a:shade val="50000"/>
+            </a:schemeClr>
+          </a:lnRef>
+          <a:fillRef idx="1">
+            <a:schemeClr val="accent1"/>
+          </a:fillRef>
+          <a:effectRef idx="0">
+            <a:schemeClr val="accent1"/>
+          </a:effectRef>
+          <a:fontRef idx="minor">
+            <a:schemeClr val="lt1"/>
+          </a:fontRef>
+        </p:style>
+        <p:txBody>
+          <a:bodyPr rtlCol="0" anchor="ctr"/>
+          <a:lstStyle/>
+          <a:p>
+            <a:pPr algn="ctr"/>
+            <a:endParaRPr lang="en-US"/>
+          </a:p>
+        </p:txBody>
+      </p:sp>
+      <p:sp>
+        <p:nvSpPr>
+          <p:cNvPr id="19" name="Rectangle 18">
+            <a:extLst>
+              <a:ext uri="{FF2B5EF4-FFF2-40B4-BE49-F238E27FC236}">
+                <a16:creationId xmlns:a16="http://schemas.microsoft.com/office/drawing/2014/main" id="{CA677DB7-5829-45BD-9754-5EC484CC4253}"/>
+              </a:ext>
+              <a:ext uri="{C183D7F6-B498-43B3-948B-1728B52AA6E4}">
+                <adec:decorative xmlns:adec="http://schemas.microsoft.com/office/drawing/2017/decorative" val="1"/>
+              </a:ext>
+            </a:extLst>
+          </p:cNvPr>
+          <p:cNvSpPr>
+            <a:spLocks noGrp="1" noRot="1" noChangeAspect="1" noMove="1" noResize="1" noEditPoints="1" noAdjustHandles="1" noChangeArrowheads="1" noChangeShapeType="1" noTextEdit="1"/>
+          </p:cNvSpPr>
+          <p:nvPr>
+            <p:extLst>
+              <p:ext uri="{386F3935-93C4-4BCD-93E2-E3B085C9AB24}">
+                <p16:designElem xmlns:p16="http://schemas.microsoft.com/office/powerpoint/2015/main" val="1"/>
+              </p:ext>
+            </p:extLst>
+          </p:nvPr>
+        </p:nvSpPr>
+        <p:spPr>
+          <a:xfrm>
+            <a:off x="1" y="1"/>
+            <a:ext cx="4654296" cy="6858000"/>
+          </a:xfrm>
+          <a:prstGeom prst="rect">
+            <a:avLst/>
+          </a:prstGeom>
+          <a:solidFill>
+            <a:schemeClr val="accent2"/>
+          </a:solidFill>
+          <a:ln>
+            <a:noFill/>
+          </a:ln>
+        </p:spPr>
+        <p:style>
+          <a:lnRef idx="2">
+            <a:schemeClr val="accent1">
+              <a:shade val="50000"/>
+            </a:schemeClr>
+          </a:lnRef>
+          <a:fillRef idx="1">
+            <a:schemeClr val="accent1"/>
+          </a:fillRef>
+          <a:effectRef idx="0">
+            <a:schemeClr val="accent1"/>
+          </a:effectRef>
+          <a:fontRef idx="minor">
+            <a:schemeClr val="lt1"/>
+          </a:fontRef>
+        </p:style>
+        <p:txBody>
+          <a:bodyPr rtlCol="0" anchor="ctr"/>
+          <a:lstStyle/>
+          <a:p>
+            <a:pPr algn="ctr"/>
+            <a:endParaRPr lang="en-US"/>
+          </a:p>
+        </p:txBody>
+      </p:sp>
+      <p:sp>
+        <p:nvSpPr>
+          <p:cNvPr id="2" name="Title 1">
+            <a:extLst>
+              <a:ext uri="{FF2B5EF4-FFF2-40B4-BE49-F238E27FC236}">
+                <a16:creationId xmlns:a16="http://schemas.microsoft.com/office/drawing/2014/main" id="{1FAE2FEB-B07B-B95D-96E9-1F9D6F0F85E7}"/>
+              </a:ext>
+            </a:extLst>
+          </p:cNvPr>
+          <p:cNvSpPr>
+            <a:spLocks noGrp="1"/>
+          </p:cNvSpPr>
+          <p:nvPr>
+            <p:ph type="title"/>
+          </p:nvPr>
+        </p:nvSpPr>
+        <p:spPr>
+          <a:xfrm>
+            <a:off x="804672" y="2404872"/>
+            <a:ext cx="3044950" cy="1627792"/>
+          </a:xfrm>
+        </p:spPr>
+        <p:txBody>
+          <a:bodyPr vert="horz" lIns="274320" tIns="182880" rIns="274320" bIns="182880" rtlCol="0" anchor="ctr" anchorCtr="1">
+            <a:normAutofit/>
+          </a:bodyPr>
+          <a:lstStyle/>
+          <a:p>
+            <a:r>
+              <a:rPr lang="en-US" sz="2600"/>
+              <a:t>STEP 4 – RUNNING THE PROGRAM</a:t>
+            </a:r>
+          </a:p>
+        </p:txBody>
+      </p:sp>
+      <p:pic>
+        <p:nvPicPr>
+          <p:cNvPr id="3" name="Picture 2">
+            <a:extLst>
+              <a:ext uri="{FF2B5EF4-FFF2-40B4-BE49-F238E27FC236}">
+                <a16:creationId xmlns:a16="http://schemas.microsoft.com/office/drawing/2014/main" id="{5B4F0BD1-BD33-9229-5192-3EACF8858674}"/>
+              </a:ext>
+            </a:extLst>
+          </p:cNvPr>
+          <p:cNvPicPr>
+            <a:picLocks noChangeAspect="1"/>
+          </p:cNvPicPr>
+          <p:nvPr/>
+        </p:nvPicPr>
+        <p:blipFill>
+          <a:blip r:embed="rId2"/>
+          <a:stretch>
+            <a:fillRect/>
+          </a:stretch>
+        </p:blipFill>
+        <p:spPr>
+          <a:xfrm>
+            <a:off x="4721303" y="1386355"/>
+            <a:ext cx="7403689" cy="3664825"/>
+          </a:xfrm>
+          <a:prstGeom prst="rect">
+            <a:avLst/>
+          </a:prstGeom>
+        </p:spPr>
+      </p:pic>
+      <p:pic>
+        <p:nvPicPr>
+          <p:cNvPr id="4" name="Picture 2">
+            <a:extLst>
+              <a:ext uri="{FF2B5EF4-FFF2-40B4-BE49-F238E27FC236}">
+                <a16:creationId xmlns:a16="http://schemas.microsoft.com/office/drawing/2014/main" id="{02AF4252-4894-DE44-83ED-88C82106C0A7}"/>
+              </a:ext>
+            </a:extLst>
+          </p:cNvPr>
+          <p:cNvPicPr>
+            <a:picLocks noChangeAspect="1" noChangeArrowheads="1"/>
+          </p:cNvPicPr>
+          <p:nvPr/>
+        </p:nvPicPr>
+        <p:blipFill>
+          <a:blip r:embed="rId3">
+            <a:extLst>
+              <a:ext uri="{28A0092B-C50C-407E-A947-70E740481C1C}">
+                <a14:useLocalDpi xmlns:a14="http://schemas.microsoft.com/office/drawing/2010/main" val="0"/>
+              </a:ext>
+            </a:extLst>
+          </a:blip>
+          <a:srcRect/>
+          <a:stretch>
+            <a:fillRect/>
+          </a:stretch>
+        </p:blipFill>
+        <p:spPr bwMode="auto">
+          <a:xfrm>
+            <a:off x="10434594" y="5004486"/>
+            <a:ext cx="1757406" cy="1853514"/>
+          </a:xfrm>
+          <a:prstGeom prst="rect">
+            <a:avLst/>
+          </a:prstGeom>
+          <a:noFill/>
+          <a:extLst>
+            <a:ext uri="{909E8E84-426E-40DD-AFC4-6F175D3DCCD1}">
+              <a14:hiddenFill xmlns:a14="http://schemas.microsoft.com/office/drawing/2010/main">
+                <a:solidFill>
+                  <a:srgbClr val="FFFFFF"/>
+                </a:solidFill>
+              </a14:hiddenFill>
+            </a:ext>
+          </a:extLst>
+        </p:spPr>
+      </p:pic>
+    </p:spTree>
+    <p:extLst>
+      <p:ext uri="{BB962C8B-B14F-4D97-AF65-F5344CB8AC3E}">
+        <p14:creationId xmlns:p14="http://schemas.microsoft.com/office/powerpoint/2010/main" val="1802661573"/>
       </p:ext>
     </p:extLst>
   </p:cSld>
